--- a/03_Algorithmique/Algorithmique_01.pptx
+++ b/03_Algorithmique/Algorithmique_01.pptx
@@ -6019,9 +6019,10 @@
           <a:p>
             <a:pPr lvl="1"/>
             <a:r>
-              <a:rPr lang="fr-FR" dirty="0" smtClean="0"/>
-              <a:t>Non immuables : </a:t>
-            </a:r>
+              <a:rPr lang="fr-FR" smtClean="0"/>
+              <a:t>Mutables</a:t>
+            </a:r>
+            <a:endParaRPr lang="fr-FR" dirty="0" smtClean="0"/>
           </a:p>
           <a:p>
             <a:pPr lvl="2"/>
@@ -6047,7 +6048,7 @@
               <a:rPr lang="fr-FR" dirty="0" err="1" smtClean="0"/>
               <a:t>Slicing</a:t>
             </a:r>
-            <a:endParaRPr lang="fr-FR" smtClean="0"/>
+            <a:endParaRPr lang="fr-FR" dirty="0" smtClean="0"/>
           </a:p>
           <a:p>
             <a:endParaRPr lang="fr-FR" dirty="0"/>
